--- a/voice recognition-presentaion.pptx
+++ b/voice recognition-presentaion.pptx
@@ -112,6 +112,11 @@
       </a:defRPr>
     </a:lvl9pPr>
   </p:defaultTextStyle>
+  <p:extLst>
+    <p:ext uri="{EFAFB233-063F-42B5-8137-9DF3F51BA10A}">
+      <p15:sldGuideLst xmlns:p15="http://schemas.microsoft.com/office/powerpoint/2012/main"/>
+    </p:ext>
+  </p:extLst>
 </p:presentation>
 </file>
 
@@ -4391,7 +4396,7 @@
           <a:p>
             <a:fld id="{BA8EA8A0-21A7-4251-ACCE-400B9B2C8516}" type="datetimeFigureOut">
               <a:rPr lang="he-IL" smtClean="0"/>
-              <a:t>כ"ה/טבת/תשע"ט</a:t>
+              <a:t>כ"ט/טבת/תשע"ט</a:t>
             </a:fld>
             <a:endParaRPr lang="he-IL"/>
           </a:p>
@@ -4658,7 +4663,7 @@
           <a:p>
             <a:fld id="{BA8EA8A0-21A7-4251-ACCE-400B9B2C8516}" type="datetimeFigureOut">
               <a:rPr lang="he-IL" smtClean="0"/>
-              <a:t>כ"ה/טבת/תשע"ט</a:t>
+              <a:t>כ"ט/טבת/תשע"ט</a:t>
             </a:fld>
             <a:endParaRPr lang="he-IL"/>
           </a:p>
@@ -4854,7 +4859,7 @@
           <a:p>
             <a:fld id="{BA8EA8A0-21A7-4251-ACCE-400B9B2C8516}" type="datetimeFigureOut">
               <a:rPr lang="he-IL" smtClean="0"/>
-              <a:t>כ"ה/טבת/תשע"ט</a:t>
+              <a:t>כ"ט/טבת/תשע"ט</a:t>
             </a:fld>
             <a:endParaRPr lang="he-IL"/>
           </a:p>
@@ -5117,7 +5122,7 @@
           <a:p>
             <a:fld id="{BA8EA8A0-21A7-4251-ACCE-400B9B2C8516}" type="datetimeFigureOut">
               <a:rPr lang="he-IL" smtClean="0"/>
-              <a:t>כ"ה/טבת/תשע"ט</a:t>
+              <a:t>כ"ט/טבת/תשע"ט</a:t>
             </a:fld>
             <a:endParaRPr lang="he-IL"/>
           </a:p>
@@ -5551,7 +5556,7 @@
           <a:p>
             <a:fld id="{BA8EA8A0-21A7-4251-ACCE-400B9B2C8516}" type="datetimeFigureOut">
               <a:rPr lang="he-IL" smtClean="0"/>
-              <a:t>כ"ה/טבת/תשע"ט</a:t>
+              <a:t>כ"ט/טבת/תשע"ט</a:t>
             </a:fld>
             <a:endParaRPr lang="he-IL"/>
           </a:p>
@@ -6097,7 +6102,7 @@
           <a:p>
             <a:fld id="{BA8EA8A0-21A7-4251-ACCE-400B9B2C8516}" type="datetimeFigureOut">
               <a:rPr lang="he-IL" smtClean="0"/>
-              <a:t>כ"ה/טבת/תשע"ט</a:t>
+              <a:t>כ"ט/טבת/תשע"ט</a:t>
             </a:fld>
             <a:endParaRPr lang="he-IL"/>
           </a:p>
@@ -6817,7 +6822,7 @@
           <a:p>
             <a:fld id="{BA8EA8A0-21A7-4251-ACCE-400B9B2C8516}" type="datetimeFigureOut">
               <a:rPr lang="he-IL" smtClean="0"/>
-              <a:t>כ"ה/טבת/תשע"ט</a:t>
+              <a:t>כ"ט/טבת/תשע"ט</a:t>
             </a:fld>
             <a:endParaRPr lang="he-IL"/>
           </a:p>
@@ -6987,7 +6992,7 @@
           <a:p>
             <a:fld id="{BA8EA8A0-21A7-4251-ACCE-400B9B2C8516}" type="datetimeFigureOut">
               <a:rPr lang="he-IL" smtClean="0"/>
-              <a:t>כ"ה/טבת/תשע"ט</a:t>
+              <a:t>כ"ט/טבת/תשע"ט</a:t>
             </a:fld>
             <a:endParaRPr lang="he-IL"/>
           </a:p>
@@ -7167,7 +7172,7 @@
           <a:p>
             <a:fld id="{BA8EA8A0-21A7-4251-ACCE-400B9B2C8516}" type="datetimeFigureOut">
               <a:rPr lang="he-IL" smtClean="0"/>
-              <a:t>כ"ה/טבת/תשע"ט</a:t>
+              <a:t>כ"ט/טבת/תשע"ט</a:t>
             </a:fld>
             <a:endParaRPr lang="he-IL"/>
           </a:p>
@@ -7337,7 +7342,7 @@
           <a:p>
             <a:fld id="{BA8EA8A0-21A7-4251-ACCE-400B9B2C8516}" type="datetimeFigureOut">
               <a:rPr lang="he-IL" smtClean="0"/>
-              <a:t>כ"ה/טבת/תשע"ט</a:t>
+              <a:t>כ"ט/טבת/תשע"ט</a:t>
             </a:fld>
             <a:endParaRPr lang="he-IL"/>
           </a:p>
@@ -7587,7 +7592,7 @@
           <a:p>
             <a:fld id="{BA8EA8A0-21A7-4251-ACCE-400B9B2C8516}" type="datetimeFigureOut">
               <a:rPr lang="he-IL" smtClean="0"/>
-              <a:t>כ"ה/טבת/תשע"ט</a:t>
+              <a:t>כ"ט/טבת/תשע"ט</a:t>
             </a:fld>
             <a:endParaRPr lang="he-IL"/>
           </a:p>
@@ -7819,7 +7824,7 @@
           <a:p>
             <a:fld id="{BA8EA8A0-21A7-4251-ACCE-400B9B2C8516}" type="datetimeFigureOut">
               <a:rPr lang="he-IL" smtClean="0"/>
-              <a:t>כ"ה/טבת/תשע"ט</a:t>
+              <a:t>כ"ט/טבת/תשע"ט</a:t>
             </a:fld>
             <a:endParaRPr lang="he-IL"/>
           </a:p>
@@ -8200,7 +8205,7 @@
           <a:p>
             <a:fld id="{BA8EA8A0-21A7-4251-ACCE-400B9B2C8516}" type="datetimeFigureOut">
               <a:rPr lang="he-IL" smtClean="0"/>
-              <a:t>כ"ה/טבת/תשע"ט</a:t>
+              <a:t>כ"ט/טבת/תשע"ט</a:t>
             </a:fld>
             <a:endParaRPr lang="he-IL"/>
           </a:p>
@@ -8318,7 +8323,7 @@
           <a:p>
             <a:fld id="{BA8EA8A0-21A7-4251-ACCE-400B9B2C8516}" type="datetimeFigureOut">
               <a:rPr lang="he-IL" smtClean="0"/>
-              <a:t>כ"ה/טבת/תשע"ט</a:t>
+              <a:t>כ"ט/טבת/תשע"ט</a:t>
             </a:fld>
             <a:endParaRPr lang="he-IL"/>
           </a:p>
@@ -8413,7 +8418,7 @@
           <a:p>
             <a:fld id="{BA8EA8A0-21A7-4251-ACCE-400B9B2C8516}" type="datetimeFigureOut">
               <a:rPr lang="he-IL" smtClean="0"/>
-              <a:t>כ"ה/טבת/תשע"ט</a:t>
+              <a:t>כ"ט/טבת/תשע"ט</a:t>
             </a:fld>
             <a:endParaRPr lang="he-IL"/>
           </a:p>
@@ -8662,7 +8667,7 @@
           <a:p>
             <a:fld id="{BA8EA8A0-21A7-4251-ACCE-400B9B2C8516}" type="datetimeFigureOut">
               <a:rPr lang="he-IL" smtClean="0"/>
-              <a:t>כ"ה/טבת/תשע"ט</a:t>
+              <a:t>כ"ט/טבת/תשע"ט</a:t>
             </a:fld>
             <a:endParaRPr lang="he-IL"/>
           </a:p>
@@ -8942,7 +8947,7 @@
           <a:p>
             <a:fld id="{BA8EA8A0-21A7-4251-ACCE-400B9B2C8516}" type="datetimeFigureOut">
               <a:rPr lang="he-IL" smtClean="0"/>
-              <a:t>כ"ה/טבת/תשע"ט</a:t>
+              <a:t>כ"ט/טבת/תשע"ט</a:t>
             </a:fld>
             <a:endParaRPr lang="he-IL"/>
           </a:p>
@@ -12019,7 +12024,7 @@
           <a:p>
             <a:fld id="{BA8EA8A0-21A7-4251-ACCE-400B9B2C8516}" type="datetimeFigureOut">
               <a:rPr lang="he-IL" smtClean="0"/>
-              <a:t>כ"ה/טבת/תשע"ט</a:t>
+              <a:t>כ"ט/טבת/תשע"ט</a:t>
             </a:fld>
             <a:endParaRPr lang="he-IL"/>
           </a:p>
@@ -13724,6 +13729,174 @@
           <a:chExt cx="0" cy="0"/>
         </a:xfrm>
       </p:grpSpPr>
+      <p:sp>
+        <p:nvSpPr>
+          <p:cNvPr id="2" name="TextBox 1">
+            <a:extLst>
+              <a:ext uri="{FF2B5EF4-FFF2-40B4-BE49-F238E27FC236}">
+                <a16:creationId xmlns:a16="http://schemas.microsoft.com/office/drawing/2014/main" id="{B965D759-1BDC-4468-849B-48FA9B9DEC14}"/>
+              </a:ext>
+            </a:extLst>
+          </p:cNvPr>
+          <p:cNvSpPr txBox="1"/>
+          <p:nvPr/>
+        </p:nvSpPr>
+        <p:spPr>
+          <a:xfrm>
+            <a:off x="4730044" y="375920"/>
+            <a:ext cx="2900116" cy="1137920"/>
+          </a:xfrm>
+          <a:prstGeom prst="rect">
+            <a:avLst/>
+          </a:prstGeom>
+          <a:noFill/>
+        </p:spPr>
+        <p:txBody>
+          <a:bodyPr wrap="square" rtlCol="1">
+            <a:spAutoFit/>
+          </a:bodyPr>
+          <a:lstStyle/>
+          <a:p>
+            <a:r>
+              <a:rPr lang="en-US" sz="6600" dirty="0"/>
+              <a:t>Step 3</a:t>
+            </a:r>
+            <a:endParaRPr lang="he-IL" sz="6600" dirty="0"/>
+          </a:p>
+        </p:txBody>
+      </p:sp>
+      <p:sp>
+        <p:nvSpPr>
+          <p:cNvPr id="3" name="מלבן 2">
+            <a:extLst>
+              <a:ext uri="{FF2B5EF4-FFF2-40B4-BE49-F238E27FC236}">
+                <a16:creationId xmlns:a16="http://schemas.microsoft.com/office/drawing/2014/main" id="{4A2242BA-11C3-4956-83AA-8E812C83049F}"/>
+              </a:ext>
+            </a:extLst>
+          </p:cNvPr>
+          <p:cNvSpPr/>
+          <p:nvPr/>
+        </p:nvSpPr>
+        <p:spPr>
+          <a:xfrm>
+            <a:off x="1266451" y="1513840"/>
+            <a:ext cx="3119765" cy="646331"/>
+          </a:xfrm>
+          <a:prstGeom prst="rect">
+            <a:avLst/>
+          </a:prstGeom>
+        </p:spPr>
+        <p:txBody>
+          <a:bodyPr wrap="square">
+            <a:spAutoFit/>
+          </a:bodyPr>
+          <a:lstStyle/>
+          <a:p>
+            <a:r>
+              <a:rPr lang="en-US" sz="3600" dirty="0"/>
+              <a:t>CNN</a:t>
+            </a:r>
+            <a:endParaRPr lang="he-IL" sz="3600" dirty="0"/>
+          </a:p>
+        </p:txBody>
+      </p:sp>
+      <p:sp>
+        <p:nvSpPr>
+          <p:cNvPr id="5" name="TextBox 4">
+            <a:extLst>
+              <a:ext uri="{FF2B5EF4-FFF2-40B4-BE49-F238E27FC236}">
+                <a16:creationId xmlns:a16="http://schemas.microsoft.com/office/drawing/2014/main" id="{C6D0FD72-7735-4678-8556-620B2C22185A}"/>
+              </a:ext>
+            </a:extLst>
+          </p:cNvPr>
+          <p:cNvSpPr txBox="1"/>
+          <p:nvPr/>
+        </p:nvSpPr>
+        <p:spPr>
+          <a:xfrm>
+            <a:off x="1266451" y="2438400"/>
+            <a:ext cx="10285469" cy="2031325"/>
+          </a:xfrm>
+          <a:prstGeom prst="rect">
+            <a:avLst/>
+          </a:prstGeom>
+          <a:noFill/>
+        </p:spPr>
+        <p:txBody>
+          <a:bodyPr wrap="square" rtlCol="1">
+            <a:spAutoFit/>
+          </a:bodyPr>
+          <a:lstStyle/>
+          <a:p>
+            <a:r>
+              <a:rPr lang="en-US" dirty="0"/>
+              <a:t>At this level we tried to implement CNN model.</a:t>
+            </a:r>
+          </a:p>
+          <a:p>
+            <a:r>
+              <a:rPr lang="en-US" dirty="0"/>
+              <a:t>Our model compound of 3 layers.</a:t>
+            </a:r>
+          </a:p>
+          <a:p>
+            <a:r>
+              <a:rPr lang="en-US" dirty="0"/>
+              <a:t>The first one: 32 filters of size 5x5, and </a:t>
+            </a:r>
+            <a:r>
+              <a:rPr lang="en-US" dirty="0" err="1"/>
+              <a:t>MAXpool</a:t>
+            </a:r>
+            <a:r>
+              <a:rPr lang="en-US" dirty="0"/>
+              <a:t> of size 2x2.</a:t>
+            </a:r>
+          </a:p>
+          <a:p>
+            <a:r>
+              <a:rPr lang="en-US" dirty="0"/>
+              <a:t>At the second layer: 64 filters of size 5x5x32, and </a:t>
+            </a:r>
+            <a:r>
+              <a:rPr lang="en-US" dirty="0" err="1"/>
+              <a:t>MAXpool</a:t>
+            </a:r>
+            <a:r>
+              <a:rPr lang="en-US" dirty="0"/>
+              <a:t> of size 2x2.</a:t>
+            </a:r>
+          </a:p>
+          <a:p>
+            <a:r>
+              <a:rPr lang="en-US" dirty="0"/>
+              <a:t>The layer was fully connected network (256 neurons in two layers).</a:t>
+            </a:r>
+          </a:p>
+          <a:p>
+            <a:endParaRPr lang="en-US" dirty="0"/>
+          </a:p>
+          <a:p>
+            <a:r>
+              <a:rPr lang="en-US" dirty="0"/>
+              <a:t>This experiment  didn’t go well. We </a:t>
+            </a:r>
+            <a:r>
+              <a:rPr lang="en-US" dirty="0" err="1"/>
+              <a:t>achived</a:t>
+            </a:r>
+            <a:r>
+              <a:rPr lang="en-US" dirty="0"/>
+              <a:t> only 28% on the </a:t>
+            </a:r>
+            <a:r>
+              <a:rPr lang="en-US"/>
+              <a:t>test accuracy. </a:t>
+            </a:r>
+            <a:endParaRPr lang="he-IL" dirty="0"/>
+          </a:p>
+        </p:txBody>
+      </p:sp>
     </p:spTree>
     <p:extLst>
       <p:ext uri="{BB962C8B-B14F-4D97-AF65-F5344CB8AC3E}">
